--- a/Later/Spring/6_Spring_Auto_Component_Scanning/1/Auto Components Scanning.pptx
+++ b/Later/Spring/6_Spring_Auto_Component_Scanning/1/Auto Components Scanning.pptx
@@ -5,12 +5,15 @@
     <p:sldMasterId id="2147483672" r:id="rId1"/>
   </p:sldMasterIdLst>
   <p:notesMasterIdLst>
-    <p:notesMasterId r:id="rId5"/>
+    <p:notesMasterId r:id="rId8"/>
   </p:notesMasterIdLst>
   <p:sldIdLst>
     <p:sldId id="438" r:id="rId2"/>
-    <p:sldId id="437" r:id="rId3"/>
-    <p:sldId id="439" r:id="rId4"/>
+    <p:sldId id="441" r:id="rId3"/>
+    <p:sldId id="442" r:id="rId4"/>
+    <p:sldId id="440" r:id="rId5"/>
+    <p:sldId id="437" r:id="rId6"/>
+    <p:sldId id="439" r:id="rId7"/>
   </p:sldIdLst>
   <p:sldSz cx="9144000" cy="5029200"/>
   <p:notesSz cx="6858000" cy="9144000"/>
@@ -711,6 +714,273 @@
             <a:fld id="{A883C400-BD9D-4609-A213-F91E9750031E}" type="slidenum">
               <a:rPr lang="en-US" smtClean="0"/>
               <a:t>3</a:t>
+            </a:fld>
+            <a:endParaRPr lang="en-US" dirty="0"/>
+          </a:p>
+        </p:txBody>
+      </p:sp>
+    </p:spTree>
+    <p:extLst>
+      <p:ext uri="{BB962C8B-B14F-4D97-AF65-F5344CB8AC3E}">
+        <p14:creationId xmlns:p14="http://schemas.microsoft.com/office/powerpoint/2010/main" val="4195558700"/>
+      </p:ext>
+    </p:extLst>
+  </p:cSld>
+  <p:clrMapOvr>
+    <a:masterClrMapping/>
+  </p:clrMapOvr>
+</p:notes>
+</file>
+
+<file path=ppt/notesSlides/notesSlide4.xml><?xml version="1.0" encoding="utf-8"?>
+<p:notes xmlns:a="http://schemas.openxmlformats.org/drawingml/2006/main" xmlns:r="http://schemas.openxmlformats.org/officeDocument/2006/relationships" xmlns:p="http://schemas.openxmlformats.org/presentationml/2006/main">
+  <p:cSld>
+    <p:spTree>
+      <p:nvGrpSpPr>
+        <p:cNvPr id="1" name=""/>
+        <p:cNvGrpSpPr/>
+        <p:nvPr/>
+      </p:nvGrpSpPr>
+      <p:grpSpPr>
+        <a:xfrm>
+          <a:off x="0" y="0"/>
+          <a:ext cx="0" cy="0"/>
+          <a:chOff x="0" y="0"/>
+          <a:chExt cx="0" cy="0"/>
+        </a:xfrm>
+      </p:grpSpPr>
+      <p:sp>
+        <p:nvSpPr>
+          <p:cNvPr id="2" name="Slide Image Placeholder 1"/>
+          <p:cNvSpPr>
+            <a:spLocks noGrp="1" noRot="1" noChangeAspect="1"/>
+          </p:cNvSpPr>
+          <p:nvPr>
+            <p:ph type="sldImg"/>
+          </p:nvPr>
+        </p:nvSpPr>
+        <p:spPr>
+          <a:xfrm>
+            <a:off x="312738" y="685800"/>
+            <a:ext cx="6232525" cy="3429000"/>
+          </a:xfrm>
+        </p:spPr>
+      </p:sp>
+      <p:sp>
+        <p:nvSpPr>
+          <p:cNvPr id="3" name="Notes Placeholder 2"/>
+          <p:cNvSpPr>
+            <a:spLocks noGrp="1"/>
+          </p:cNvSpPr>
+          <p:nvPr>
+            <p:ph type="body" idx="1"/>
+          </p:nvPr>
+        </p:nvSpPr>
+        <p:spPr/>
+        <p:txBody>
+          <a:bodyPr/>
+          <a:lstStyle/>
+          <a:p>
+            <a:endParaRPr lang="en-US" dirty="0"/>
+          </a:p>
+        </p:txBody>
+      </p:sp>
+      <p:sp>
+        <p:nvSpPr>
+          <p:cNvPr id="4" name="Slide Number Placeholder 3"/>
+          <p:cNvSpPr>
+            <a:spLocks noGrp="1"/>
+          </p:cNvSpPr>
+          <p:nvPr>
+            <p:ph type="sldNum" sz="quarter" idx="10"/>
+          </p:nvPr>
+        </p:nvSpPr>
+        <p:spPr/>
+        <p:txBody>
+          <a:bodyPr/>
+          <a:lstStyle/>
+          <a:p>
+            <a:fld id="{A883C400-BD9D-4609-A213-F91E9750031E}" type="slidenum">
+              <a:rPr lang="en-US" smtClean="0"/>
+              <a:t>4</a:t>
+            </a:fld>
+            <a:endParaRPr lang="en-US" dirty="0"/>
+          </a:p>
+        </p:txBody>
+      </p:sp>
+    </p:spTree>
+    <p:extLst>
+      <p:ext uri="{BB962C8B-B14F-4D97-AF65-F5344CB8AC3E}">
+        <p14:creationId xmlns:p14="http://schemas.microsoft.com/office/powerpoint/2010/main" val="4195558700"/>
+      </p:ext>
+    </p:extLst>
+  </p:cSld>
+  <p:clrMapOvr>
+    <a:masterClrMapping/>
+  </p:clrMapOvr>
+</p:notes>
+</file>
+
+<file path=ppt/notesSlides/notesSlide5.xml><?xml version="1.0" encoding="utf-8"?>
+<p:notes xmlns:a="http://schemas.openxmlformats.org/drawingml/2006/main" xmlns:r="http://schemas.openxmlformats.org/officeDocument/2006/relationships" xmlns:p="http://schemas.openxmlformats.org/presentationml/2006/main">
+  <p:cSld>
+    <p:spTree>
+      <p:nvGrpSpPr>
+        <p:cNvPr id="1" name=""/>
+        <p:cNvGrpSpPr/>
+        <p:nvPr/>
+      </p:nvGrpSpPr>
+      <p:grpSpPr>
+        <a:xfrm>
+          <a:off x="0" y="0"/>
+          <a:ext cx="0" cy="0"/>
+          <a:chOff x="0" y="0"/>
+          <a:chExt cx="0" cy="0"/>
+        </a:xfrm>
+      </p:grpSpPr>
+      <p:sp>
+        <p:nvSpPr>
+          <p:cNvPr id="2" name="Slide Image Placeholder 1"/>
+          <p:cNvSpPr>
+            <a:spLocks noGrp="1" noRot="1" noChangeAspect="1"/>
+          </p:cNvSpPr>
+          <p:nvPr>
+            <p:ph type="sldImg"/>
+          </p:nvPr>
+        </p:nvSpPr>
+        <p:spPr>
+          <a:xfrm>
+            <a:off x="312738" y="685800"/>
+            <a:ext cx="6232525" cy="3429000"/>
+          </a:xfrm>
+        </p:spPr>
+      </p:sp>
+      <p:sp>
+        <p:nvSpPr>
+          <p:cNvPr id="3" name="Notes Placeholder 2"/>
+          <p:cNvSpPr>
+            <a:spLocks noGrp="1"/>
+          </p:cNvSpPr>
+          <p:nvPr>
+            <p:ph type="body" idx="1"/>
+          </p:nvPr>
+        </p:nvSpPr>
+        <p:spPr/>
+        <p:txBody>
+          <a:bodyPr/>
+          <a:lstStyle/>
+          <a:p>
+            <a:endParaRPr lang="en-US" dirty="0"/>
+          </a:p>
+        </p:txBody>
+      </p:sp>
+      <p:sp>
+        <p:nvSpPr>
+          <p:cNvPr id="4" name="Slide Number Placeholder 3"/>
+          <p:cNvSpPr>
+            <a:spLocks noGrp="1"/>
+          </p:cNvSpPr>
+          <p:nvPr>
+            <p:ph type="sldNum" sz="quarter" idx="10"/>
+          </p:nvPr>
+        </p:nvSpPr>
+        <p:spPr/>
+        <p:txBody>
+          <a:bodyPr/>
+          <a:lstStyle/>
+          <a:p>
+            <a:fld id="{A883C400-BD9D-4609-A213-F91E9750031E}" type="slidenum">
+              <a:rPr lang="en-US" smtClean="0"/>
+              <a:t>5</a:t>
+            </a:fld>
+            <a:endParaRPr lang="en-US" dirty="0"/>
+          </a:p>
+        </p:txBody>
+      </p:sp>
+    </p:spTree>
+    <p:extLst>
+      <p:ext uri="{BB962C8B-B14F-4D97-AF65-F5344CB8AC3E}">
+        <p14:creationId xmlns:p14="http://schemas.microsoft.com/office/powerpoint/2010/main" val="4195558700"/>
+      </p:ext>
+    </p:extLst>
+  </p:cSld>
+  <p:clrMapOvr>
+    <a:masterClrMapping/>
+  </p:clrMapOvr>
+</p:notes>
+</file>
+
+<file path=ppt/notesSlides/notesSlide6.xml><?xml version="1.0" encoding="utf-8"?>
+<p:notes xmlns:a="http://schemas.openxmlformats.org/drawingml/2006/main" xmlns:r="http://schemas.openxmlformats.org/officeDocument/2006/relationships" xmlns:p="http://schemas.openxmlformats.org/presentationml/2006/main">
+  <p:cSld>
+    <p:spTree>
+      <p:nvGrpSpPr>
+        <p:cNvPr id="1" name=""/>
+        <p:cNvGrpSpPr/>
+        <p:nvPr/>
+      </p:nvGrpSpPr>
+      <p:grpSpPr>
+        <a:xfrm>
+          <a:off x="0" y="0"/>
+          <a:ext cx="0" cy="0"/>
+          <a:chOff x="0" y="0"/>
+          <a:chExt cx="0" cy="0"/>
+        </a:xfrm>
+      </p:grpSpPr>
+      <p:sp>
+        <p:nvSpPr>
+          <p:cNvPr id="2" name="Slide Image Placeholder 1"/>
+          <p:cNvSpPr>
+            <a:spLocks noGrp="1" noRot="1" noChangeAspect="1"/>
+          </p:cNvSpPr>
+          <p:nvPr>
+            <p:ph type="sldImg"/>
+          </p:nvPr>
+        </p:nvSpPr>
+        <p:spPr>
+          <a:xfrm>
+            <a:off x="312738" y="685800"/>
+            <a:ext cx="6232525" cy="3429000"/>
+          </a:xfrm>
+        </p:spPr>
+      </p:sp>
+      <p:sp>
+        <p:nvSpPr>
+          <p:cNvPr id="3" name="Notes Placeholder 2"/>
+          <p:cNvSpPr>
+            <a:spLocks noGrp="1"/>
+          </p:cNvSpPr>
+          <p:nvPr>
+            <p:ph type="body" idx="1"/>
+          </p:nvPr>
+        </p:nvSpPr>
+        <p:spPr/>
+        <p:txBody>
+          <a:bodyPr/>
+          <a:lstStyle/>
+          <a:p>
+            <a:endParaRPr lang="en-US" dirty="0"/>
+          </a:p>
+        </p:txBody>
+      </p:sp>
+      <p:sp>
+        <p:nvSpPr>
+          <p:cNvPr id="4" name="Slide Number Placeholder 3"/>
+          <p:cNvSpPr>
+            <a:spLocks noGrp="1"/>
+          </p:cNvSpPr>
+          <p:nvPr>
+            <p:ph type="sldNum" sz="quarter" idx="10"/>
+          </p:nvPr>
+        </p:nvSpPr>
+        <p:spPr/>
+        <p:txBody>
+          <a:bodyPr/>
+          <a:lstStyle/>
+          <a:p>
+            <a:fld id="{A883C400-BD9D-4609-A213-F91E9750031E}" type="slidenum">
+              <a:rPr lang="en-US" smtClean="0"/>
+              <a:t>6</a:t>
             </a:fld>
             <a:endParaRPr lang="en-US" dirty="0"/>
           </a:p>
@@ -3871,8 +4141,8 @@
         </p:nvSpPr>
         <p:spPr>
           <a:xfrm>
-            <a:off x="3651250" y="35739"/>
-            <a:ext cx="2133600" cy="276999"/>
+            <a:off x="3429000" y="21838"/>
+            <a:ext cx="2292350" cy="276999"/>
           </a:xfrm>
           <a:prstGeom prst="rect">
             <a:avLst/>
@@ -3995,14 +4265,14 @@
             <a:pPr algn="ctr"/>
             <a:r>
               <a:rPr lang="en-US" sz="1200" dirty="0"/>
-              <a:t>Auto Components Scanning</a:t>
+              <a:t>Declares Components Manually</a:t>
             </a:r>
           </a:p>
         </p:txBody>
       </p:sp>
       <p:pic>
         <p:nvPicPr>
-          <p:cNvPr id="1026" name="Picture 2"/>
+          <p:cNvPr id="5" name="Picture 2"/>
           <p:cNvPicPr>
             <a:picLocks noChangeAspect="1" noChangeArrowheads="1"/>
           </p:cNvPicPr>
@@ -4023,8 +4293,8 @@
         </p:blipFill>
         <p:spPr bwMode="auto">
           <a:xfrm>
-            <a:off x="228599" y="1676400"/>
-            <a:ext cx="4011059" cy="3200159"/>
+            <a:off x="228600" y="1524000"/>
+            <a:ext cx="4229100" cy="3337941"/>
           </a:xfrm>
           <a:prstGeom prst="rect">
             <a:avLst/>
@@ -4048,7 +4318,7 @@
       </p:pic>
       <p:pic>
         <p:nvPicPr>
-          <p:cNvPr id="1027" name="Picture 3"/>
+          <p:cNvPr id="7" name="Picture 3"/>
           <p:cNvPicPr>
             <a:picLocks noChangeAspect="1" noChangeArrowheads="1"/>
           </p:cNvPicPr>
@@ -4069,8 +4339,8 @@
         </p:blipFill>
         <p:spPr bwMode="auto">
           <a:xfrm>
-            <a:off x="4572000" y="1676400"/>
-            <a:ext cx="4381500" cy="2276475"/>
+            <a:off x="4800600" y="2254757"/>
+            <a:ext cx="4191000" cy="1876425"/>
           </a:xfrm>
           <a:prstGeom prst="rect">
             <a:avLst/>
@@ -4079,97 +4349,29 @@
         </p:spPr>
         <p:style>
           <a:lnRef idx="1">
-            <a:schemeClr val="accent4"/>
+            <a:schemeClr val="accent5"/>
           </a:lnRef>
           <a:fillRef idx="2">
-            <a:schemeClr val="accent4"/>
+            <a:schemeClr val="accent5"/>
           </a:fillRef>
           <a:effectRef idx="1">
-            <a:schemeClr val="accent4"/>
+            <a:schemeClr val="accent5"/>
           </a:effectRef>
           <a:fontRef idx="minor">
             <a:schemeClr val="dk1"/>
           </a:fontRef>
         </p:style>
       </p:pic>
-      <p:cxnSp>
-        <p:nvCxnSpPr>
-          <p:cNvPr id="6" name="Straight Arrow Connector 5"/>
-          <p:cNvCxnSpPr/>
-          <p:nvPr/>
-        </p:nvCxnSpPr>
-        <p:spPr>
-          <a:xfrm flipV="1">
-            <a:off x="990600" y="1219200"/>
-            <a:ext cx="2362200" cy="1447800"/>
-          </a:xfrm>
-          <a:prstGeom prst="straightConnector1">
-            <a:avLst/>
-          </a:prstGeom>
-          <a:ln>
-            <a:tailEnd type="arrow"/>
-          </a:ln>
-        </p:spPr>
-        <p:style>
-          <a:lnRef idx="1">
-            <a:schemeClr val="accent2"/>
-          </a:lnRef>
-          <a:fillRef idx="0">
-            <a:schemeClr val="accent2"/>
-          </a:fillRef>
-          <a:effectRef idx="0">
-            <a:schemeClr val="accent2"/>
-          </a:effectRef>
-          <a:fontRef idx="minor">
-            <a:schemeClr val="tx1"/>
-          </a:fontRef>
-        </p:style>
-      </p:cxnSp>
-      <p:cxnSp>
-        <p:nvCxnSpPr>
-          <p:cNvPr id="8" name="Straight Arrow Connector 7"/>
-          <p:cNvCxnSpPr>
-            <a:endCxn id="9" idx="2"/>
-          </p:cNvCxnSpPr>
-          <p:nvPr/>
-        </p:nvCxnSpPr>
-        <p:spPr>
-          <a:xfrm flipH="1" flipV="1">
-            <a:off x="3695700" y="1219200"/>
-            <a:ext cx="1714500" cy="1295400"/>
-          </a:xfrm>
-          <a:prstGeom prst="straightConnector1">
-            <a:avLst/>
-          </a:prstGeom>
-          <a:ln>
-            <a:tailEnd type="arrow"/>
-          </a:ln>
-        </p:spPr>
-        <p:style>
-          <a:lnRef idx="1">
-            <a:schemeClr val="accent2"/>
-          </a:lnRef>
-          <a:fillRef idx="0">
-            <a:schemeClr val="accent2"/>
-          </a:fillRef>
-          <a:effectRef idx="0">
-            <a:schemeClr val="accent2"/>
-          </a:effectRef>
-          <a:fontRef idx="minor">
-            <a:schemeClr val="tx1"/>
-          </a:fontRef>
-        </p:style>
-      </p:cxnSp>
-      <p:sp>
-        <p:nvSpPr>
-          <p:cNvPr id="9" name="Rectangle 8"/>
+      <p:sp>
+        <p:nvSpPr>
+          <p:cNvPr id="10" name="Rectangle 9"/>
           <p:cNvSpPr/>
           <p:nvPr/>
         </p:nvSpPr>
         <p:spPr>
           <a:xfrm>
-            <a:off x="990600" y="762000"/>
-            <a:ext cx="5410200" cy="457200"/>
+            <a:off x="307975" y="465138"/>
+            <a:ext cx="8759825" cy="861774"/>
           </a:xfrm>
           <a:prstGeom prst="rect">
             <a:avLst/>
@@ -4191,30 +4393,56 @@
           </a:fontRef>
         </p:style>
         <p:txBody>
-          <a:bodyPr rtlCol="0" anchor="ctr"/>
-          <a:lstStyle/>
-          <a:p>
-            <a:r>
-              <a:rPr lang="en-US" sz="1200" dirty="0"/>
-              <a:t>Annotate with </a:t>
-            </a:r>
-            <a:r>
-              <a:rPr lang="en-US" sz="1200" b="1" dirty="0"/>
-              <a:t>@Component</a:t>
-            </a:r>
-            <a:r>
-              <a:rPr lang="en-US" sz="1200" dirty="0"/>
-              <a:t> to indicate this </a:t>
-            </a:r>
-            <a:r>
-              <a:rPr lang="en-US" sz="1200" dirty="0" smtClean="0"/>
-              <a:t>class </a:t>
-            </a:r>
-            <a:r>
-              <a:rPr lang="en-US" sz="1200" dirty="0"/>
-              <a:t>is an auto scan component.</a:t>
-            </a:r>
-            <a:endParaRPr lang="en-US" sz="1200" dirty="0"/>
+          <a:bodyPr wrap="square">
+            <a:spAutoFit/>
+          </a:bodyPr>
+          <a:lstStyle/>
+          <a:p>
+            <a:pPr marL="171450" indent="-171450">
+              <a:buFont typeface="Wingdings" pitchFamily="2" charset="2"/>
+              <a:buChar char="ü"/>
+            </a:pPr>
+            <a:r>
+              <a:rPr lang="en-US" sz="1000" dirty="0"/>
+              <a:t>Normally </a:t>
+            </a:r>
+            <a:r>
+              <a:rPr lang="en-US" sz="1000" dirty="0" smtClean="0"/>
+              <a:t>we </a:t>
+            </a:r>
+            <a:r>
+              <a:rPr lang="en-US" sz="1000" dirty="0"/>
+              <a:t>declare all the beans or components in XML bean configuration file, so that Spring container can detect and register your beans or components. Actually, Spring is able to auto scan, detect and instantiate your beans from pre-defined project package, no more tedious beans declaration in in XML file.</a:t>
+            </a:r>
+          </a:p>
+          <a:p>
+            <a:pPr marL="171450" indent="-171450">
+              <a:buFont typeface="Wingdings" pitchFamily="2" charset="2"/>
+              <a:buChar char="ü"/>
+            </a:pPr>
+            <a:endParaRPr lang="en-US" sz="1000" dirty="0" smtClean="0"/>
+          </a:p>
+          <a:p>
+            <a:pPr marL="171450" indent="-171450">
+              <a:buFont typeface="Wingdings" pitchFamily="2" charset="2"/>
+              <a:buChar char="ü"/>
+            </a:pPr>
+            <a:r>
+              <a:rPr lang="en-US" sz="1000" dirty="0" smtClean="0"/>
+              <a:t>Following </a:t>
+            </a:r>
+            <a:r>
+              <a:rPr lang="en-US" sz="1000" dirty="0"/>
+              <a:t>is a simple Spring project, including a </a:t>
+            </a:r>
+            <a:r>
+              <a:rPr lang="en-US" sz="1000" dirty="0" smtClean="0"/>
+              <a:t>Employee </a:t>
+            </a:r>
+            <a:r>
+              <a:rPr lang="en-US" sz="1000" dirty="0"/>
+              <a:t>service and dao layer. Let’s explore the different between declare components manually and auto components scanning in Spring.</a:t>
+            </a:r>
           </a:p>
         </p:txBody>
       </p:sp>
@@ -4388,8 +4616,8 @@
         </p:nvSpPr>
         <p:spPr>
           <a:xfrm>
-            <a:off x="3651250" y="35739"/>
-            <a:ext cx="2133600" cy="276999"/>
+            <a:off x="3429000" y="21838"/>
+            <a:ext cx="2292350" cy="276999"/>
           </a:xfrm>
           <a:prstGeom prst="rect">
             <a:avLst/>
@@ -4512,7 +4740,7 @@
             <a:pPr algn="ctr"/>
             <a:r>
               <a:rPr lang="en-US" sz="1200" dirty="0"/>
-              <a:t>Auto Components Scanning</a:t>
+              <a:t>Declares Components Manually</a:t>
             </a:r>
           </a:p>
         </p:txBody>
@@ -4540,8 +4768,8 @@
         </p:blipFill>
         <p:spPr bwMode="auto">
           <a:xfrm>
-            <a:off x="685800" y="762000"/>
-            <a:ext cx="5410200" cy="1838325"/>
+            <a:off x="1819275" y="1243013"/>
+            <a:ext cx="5505450" cy="2543175"/>
           </a:xfrm>
           <a:prstGeom prst="rect">
             <a:avLst/>
@@ -4563,23 +4791,869 @@
           </a:fontRef>
         </p:style>
       </p:pic>
-      <p:sp>
-        <p:nvSpPr>
-          <p:cNvPr id="7" name="Rounded Rectangular Callout 6"/>
+    </p:spTree>
+    <p:extLst>
+      <p:ext uri="{BB962C8B-B14F-4D97-AF65-F5344CB8AC3E}">
+        <p14:creationId xmlns:p14="http://schemas.microsoft.com/office/powerpoint/2010/main" val="414769740"/>
+      </p:ext>
+    </p:extLst>
+  </p:cSld>
+  <p:clrMapOvr>
+    <a:masterClrMapping/>
+  </p:clrMapOvr>
+  <mc:AlternateContent xmlns:mc="http://schemas.openxmlformats.org/markup-compatibility/2006" xmlns:p14="http://schemas.microsoft.com/office/powerpoint/2010/main">
+    <mc:Choice Requires="p14">
+      <p:transition spd="slow" p14:dur="2000"/>
+    </mc:Choice>
+    <mc:Fallback xmlns="">
+      <p:transition spd="slow"/>
+    </mc:Fallback>
+  </mc:AlternateContent>
+  <p:timing>
+    <p:tnLst>
+      <p:par>
+        <p:cTn id="1" dur="indefinite" restart="never" nodeType="tmRoot"/>
+      </p:par>
+    </p:tnLst>
+  </p:timing>
+</p:sld>
+</file>
+
+<file path=ppt/slides/slide3.xml><?xml version="1.0" encoding="utf-8"?>
+<p:sld xmlns:a="http://schemas.openxmlformats.org/drawingml/2006/main" xmlns:r="http://schemas.openxmlformats.org/officeDocument/2006/relationships" xmlns:p="http://schemas.openxmlformats.org/presentationml/2006/main">
+  <p:cSld>
+    <p:spTree>
+      <p:nvGrpSpPr>
+        <p:cNvPr id="1" name=""/>
+        <p:cNvGrpSpPr/>
+        <p:nvPr/>
+      </p:nvGrpSpPr>
+      <p:grpSpPr>
+        <a:xfrm>
+          <a:off x="0" y="0"/>
+          <a:ext cx="0" cy="0"/>
+          <a:chOff x="0" y="0"/>
+          <a:chExt cx="0" cy="0"/>
+        </a:xfrm>
+      </p:grpSpPr>
+      <p:sp>
+        <p:nvSpPr>
+          <p:cNvPr id="3" name="AutoShape 2" descr="data:image/png;base64,iVBORw0KGgoAAAANSUhEUgAAANEAAADxCAMAAABiSKLrAAAAbFBMVEWIiIj////6+vr29vb19fX4+Pj5+fnu7u77+/v39/f9/f3z8/P+/v709PT8/Pyqqqrt7e3v7+/w8PDx8fHy8vK+vr7Q0NCjo6OBgYHY2Njk5OTHx8eNjY3c3NzGxsbn5+eWlpa1tbWcnJx6enob4+f+AAAIqklEQVR4nO3dCZuaOhQGYEZAh0FkX2W1//8/lkVMICeIkRmOPHz22lYg5OVEZLFzJRNrnC+xSGt3nJvQekMUYktnEiM1ouDrjCs/pukLkzoRtpjmNRcloRUFoiS8oo5UvLwsYpEgCaXoHLYiMRJqkRAJt0iEhFwkQMIqCgJRElpRLErCL3r1oxavSJSEWCRIQikyOtGQNPd8CaXICc04FiXhFomQkIsESChFbmhmwiT0opf3eBivMzSjLuORnh49oKxRKxIloayR24oESShFRScSI6EUJaGZCJNwiwhp/skFcpFAlbCLXiehF71MQisSJiEVVYkwqRP9oEpXI1HSXXRuWjo/2jz3f3v8YfjS7871lbU1EiT1IjrAKrvX/2iurzisijkk8OQC5ah7iERIyEUCJOyi10noRU9J490DUpFPRAApniJhFVnzSaOdOF6RKAmlKGhFgiTMohdIyYeIhEh30aV99E9NLo8VXLqn++Q/mIuIREid6DJsv32s91Ityi1hEtJRl5+ESX2NMKUR2ZYoCbNIjIRV5FiiJIyicx7mriVEKnCKfvxadBIloRQ1NTqJkcICpcgPr7rjOPYJZnFNbZVwikw/YHNlXmDi4xW9kU70jSnNqOu/xL4R0aWg3yNMgNHWp0I66i7Dy5PsdXFuApw1Eg8RndfuykLZa4Q/512EPrsIfzYtOmwje43wh4h+1u7KQvm5bk601wh9NlijXYQ+uwh/HqLrZkTXh+h4PDQP8lQ/PvAlSrT2xl0oRHQ5biOXXYQ+uwh/dhH+7CL82bRI3Ua2XKPvtTfuQvneReizi/BnF+HPLsKfTYu0bYQWsd5PfImIDmtv3IVy2EXos4vwZxfhzy7CH0okbyO7CH+2/D46rr1xF8pxF6HPLsKfXYQ/uwh/KJGyjWxatPZwWShEpK69cReKuovQZxfhzy7Cn12EP0SkGduItmHRzFF3P3r63ZHzTl4YdYqsHg/e/YdF2e7xcFRVrba109gMFp2evGhmjzpFVZLcvJVpl7K8hWaVB1liNVNdJh7VZ4Wd7P4aaa5I866lFEnDRHWksC5eVgtH8VWy8PHGTE5V/rr+QqSocTnm9CpTM+SMmRhVVJcPKbPYv5VFcs7x1F3P1eeikl1sXZHGB0lRLH+eSI75ICk6KZ8nctkOkaQN+cNEWjBRIimU0YpkHY4hmxOgqNIMHRaRJo6giLO+dyM/F1nsvpfqWVAv92Eihe0u3bNE+TgR/FkURfWhUHPMIBsguh6N0yKNs7o/EGkVIEpj+XA8fltJ0GzqDxMdQwBka+2gqQ/p9FYkpaNIiEXuje3OddQfg738rFCTcYmME9sdKXntbY1MBOy802JrotJ6bSUiInLia7y2+aZEbXuyxXbn5vXXGQazDs+6xUWGoql2kXU/DDrOssLWNFmZ65oQufeflwvU6PHDdO8ki/0xu/Rb7RVRvZNJgupW7y3bU+T6JLnej97MPLNUhbPIbJEV9U2y/eknHds5lfhfNMo/sb23oRX5LQXWGUmpGdtz3nxEpOiep7eP+5MFUEZJj+0SCnsCVX/CkrZUQFRvQG+8RkNOzHTi5LL0rW6x8YL0bwolGtdolqir0fQxAyQCNrdsVczFmdFS6fXp+4kSecPMEqntrAYkkklTYI288frkYKI+j+XCYtzRUdCIdMV/7mkWTDNmY6AU6bo5C9QknqwSEpFuzAdJUjZFQiJSoFMWfhIDu0ievDjD5ubquEV6AjVet3krU3B/Hvn8cYdDBJxUSlKVaJqmWvENMiXcImEQKcCYi26W1nZaN9SAXXFkcos0JZpxXLeICDpLDnVSBDkDusAtEhGN72p5J78LcMbn9+nudemgiDSlASLF66cC20NKbZ3qCnAnIfKp9gcxiIjVPj8/8mbVCBY9VsNes42C4YgBrgyUJ06NpkRdCuD8yB418pYIOkl2hyuQ2SOkKOMMO4M76vrBB4sG84Cjjrr5Cooeo4TdLwyGbLsC4IKgD93dHY66lUQye7gQxfqgfdcDhr7JeSOtLoL2dOn4KEdX2E+s0hp24j3RaUERsPnLLBmlYPceaYJVBB0Bja85p8ANn3rXgFX02kEqaSGAeywoGs7zjghYdqYoxyp68USCtMDZfX+wqHomav53fkBcWDSYx4NEBpkuAyLj3oSwSDIVsMM6ETVAp/3V/KG2tP/xRPRccI1IW7Comyr8PupE9052bbW/0yLHpX/1T1wRmQuskULa4oqcd/Z1pjLu6li0zqgDP49m5fmo+2NR3z50zFBYczLsBB6Rxx6y8Q5wRoE7LCaylhM5BnTs7cGdmZP1RZzdygeLXOjW9fg94jYXUnjjbBHRcJ5nImVKBA67fFgkL/HzIE4KRW7vM0/i/kQ0WSPHg75KldHdqc+h7pfZ0jKs/GuDM3hvNSLizSEqoroE1Yia7ELf00kIWS/o09z+EmLA6bC3hMh9TwRskDq51x47e4Zzhc73Qt64wyByPOjmUVT6cZZkcQV+0zxNflX05qgD36tSe3MilcCr1FLEe9sPRDYYjmgwD1wjMl1hm4h0ugF43PETVd6wB3RbKES2Pu+2cr9waHFBWESO+8JtyxrkckFYRDa8dxAAoRHNH3hRNTHkUIlsY9Z3TqR6LzcFokScSsKi4TzPRMYske0VT78XJJkJZ8uTzojV6FdEtmNkE9/diqLUzJTpAtmzalQyF6FvI5ETA9+OpraQwTYhwRvQMYqryX6sNn8vq8AynnqoGuXuCY7N/vMR3R7N47DzePR04J+gjJt4rM7V3SzwzbC8FzYtb2Z1jQtDd3nLDOLmD1E9v90++qfT4Lfh5N+cq/508shXb5st6Ll1cWa2RYu2EUo0p6QfkF2EP7sIf3YR/hCRs3ZXFoqzYdEGR92su1D4Q486yzq1D/L0iS85W67R2l1ZKLsIfzYs4l05+bg8rpxU/lZS3UXbyvZE/wFXu+LXNTDaDQAAAABJRU5ErkJggg=="/>
+          <p:cNvSpPr>
+            <a:spLocks noChangeAspect="1" noChangeArrowheads="1"/>
+          </p:cNvSpPr>
+          <p:nvPr/>
+        </p:nvSpPr>
+        <p:spPr bwMode="auto">
+          <a:xfrm>
+            <a:off x="155575" y="-144463"/>
+            <a:ext cx="304800" cy="304801"/>
+          </a:xfrm>
+          <a:prstGeom prst="rect">
+            <a:avLst/>
+          </a:prstGeom>
+          <a:noFill/>
+          <a:extLst>
+            <a:ext uri="{909E8E84-426E-40DD-AFC4-6F175D3DCCD1}">
+              <a14:hiddenFill xmlns:a14="http://schemas.microsoft.com/office/drawing/2010/main">
+                <a:solidFill>
+                  <a:srgbClr val="FFFFFF"/>
+                </a:solidFill>
+              </a14:hiddenFill>
+            </a:ext>
+          </a:extLst>
+        </p:spPr>
+        <p:txBody>
+          <a:bodyPr vert="horz" wrap="square" lIns="91440" tIns="45720" rIns="91440" bIns="45720" numCol="1" anchor="t" anchorCtr="0" compatLnSpc="1">
+            <a:prstTxWarp prst="textNoShape">
+              <a:avLst/>
+            </a:prstTxWarp>
+          </a:bodyPr>
+          <a:lstStyle/>
+          <a:p>
+            <a:endParaRPr lang="en-US" sz="1200" dirty="0"/>
+          </a:p>
+        </p:txBody>
+      </p:sp>
+      <p:sp>
+        <p:nvSpPr>
+          <p:cNvPr id="2" name="AutoShape 2" descr="Image result for file"/>
+          <p:cNvSpPr>
+            <a:spLocks noChangeAspect="1" noChangeArrowheads="1"/>
+          </p:cNvSpPr>
+          <p:nvPr/>
+        </p:nvSpPr>
+        <p:spPr bwMode="auto">
+          <a:xfrm>
+            <a:off x="307975" y="7937"/>
+            <a:ext cx="304800" cy="304801"/>
+          </a:xfrm>
+          <a:prstGeom prst="rect">
+            <a:avLst/>
+          </a:prstGeom>
+          <a:noFill/>
+          <a:extLst>
+            <a:ext uri="{909E8E84-426E-40DD-AFC4-6F175D3DCCD1}">
+              <a14:hiddenFill xmlns:a14="http://schemas.microsoft.com/office/drawing/2010/main">
+                <a:solidFill>
+                  <a:srgbClr val="FFFFFF"/>
+                </a:solidFill>
+              </a14:hiddenFill>
+            </a:ext>
+          </a:extLst>
+        </p:spPr>
+        <p:txBody>
+          <a:bodyPr vert="horz" wrap="square" lIns="91440" tIns="45720" rIns="91440" bIns="45720" numCol="1" anchor="t" anchorCtr="0" compatLnSpc="1">
+            <a:prstTxWarp prst="textNoShape">
+              <a:avLst/>
+            </a:prstTxWarp>
+          </a:bodyPr>
+          <a:lstStyle/>
+          <a:p>
+            <a:endParaRPr lang="en-US" dirty="0"/>
+          </a:p>
+        </p:txBody>
+      </p:sp>
+      <p:sp>
+        <p:nvSpPr>
+          <p:cNvPr id="4" name="AutoShape 4" descr="Image result for file"/>
+          <p:cNvSpPr>
+            <a:spLocks noChangeAspect="1" noChangeArrowheads="1"/>
+          </p:cNvSpPr>
+          <p:nvPr/>
+        </p:nvSpPr>
+        <p:spPr bwMode="auto">
+          <a:xfrm>
+            <a:off x="460375" y="160337"/>
+            <a:ext cx="304800" cy="304801"/>
+          </a:xfrm>
+          <a:prstGeom prst="rect">
+            <a:avLst/>
+          </a:prstGeom>
+          <a:noFill/>
+          <a:extLst>
+            <a:ext uri="{909E8E84-426E-40DD-AFC4-6F175D3DCCD1}">
+              <a14:hiddenFill xmlns:a14="http://schemas.microsoft.com/office/drawing/2010/main">
+                <a:solidFill>
+                  <a:srgbClr val="FFFFFF"/>
+                </a:solidFill>
+              </a14:hiddenFill>
+            </a:ext>
+          </a:extLst>
+        </p:spPr>
+        <p:txBody>
+          <a:bodyPr vert="horz" wrap="square" lIns="91440" tIns="45720" rIns="91440" bIns="45720" numCol="1" anchor="t" anchorCtr="0" compatLnSpc="1">
+            <a:prstTxWarp prst="textNoShape">
+              <a:avLst/>
+            </a:prstTxWarp>
+          </a:bodyPr>
+          <a:lstStyle/>
+          <a:p>
+            <a:endParaRPr lang="en-US" dirty="0"/>
+          </a:p>
+        </p:txBody>
+      </p:sp>
+      <p:sp>
+        <p:nvSpPr>
+          <p:cNvPr id="13" name="Rectangle 12"/>
           <p:cNvSpPr/>
           <p:nvPr/>
         </p:nvSpPr>
         <p:spPr>
           <a:xfrm>
-            <a:off x="612775" y="3276600"/>
-            <a:ext cx="8302625" cy="1066800"/>
-          </a:xfrm>
-          <a:prstGeom prst="wedgeRoundRectCallout">
-            <a:avLst>
-              <a:gd name="adj1" fmla="val -26743"/>
-              <a:gd name="adj2" fmla="val -141359"/>
-              <a:gd name="adj3" fmla="val 16667"/>
-            </a:avLst>
+            <a:off x="3429000" y="21838"/>
+            <a:ext cx="2292350" cy="276999"/>
+          </a:xfrm>
+          <a:prstGeom prst="rect">
+            <a:avLst/>
+          </a:prstGeom>
+        </p:spPr>
+        <p:style>
+          <a:lnRef idx="1">
+            <a:schemeClr val="accent4"/>
+          </a:lnRef>
+          <a:fillRef idx="3">
+            <a:schemeClr val="accent4"/>
+          </a:fillRef>
+          <a:effectRef idx="2">
+            <a:schemeClr val="accent4"/>
+          </a:effectRef>
+          <a:fontRef idx="minor">
+            <a:schemeClr val="lt1"/>
+          </a:fontRef>
+        </p:style>
+        <p:txBody>
+          <a:bodyPr wrap="square">
+            <a:spAutoFit/>
+          </a:bodyPr>
+          <a:lstStyle>
+            <a:defPPr>
+              <a:defRPr lang="en-US"/>
+            </a:defPPr>
+            <a:lvl1pPr marL="0" algn="l" defTabSz="914400" rtl="0" eaLnBrk="1" latinLnBrk="0" hangingPunct="1">
+              <a:defRPr sz="1800" kern="1200">
+                <a:solidFill>
+                  <a:schemeClr val="lt1"/>
+                </a:solidFill>
+                <a:latin typeface="+mn-lt"/>
+                <a:ea typeface="+mn-ea"/>
+                <a:cs typeface="+mn-cs"/>
+              </a:defRPr>
+            </a:lvl1pPr>
+            <a:lvl2pPr marL="457200" algn="l" defTabSz="914400" rtl="0" eaLnBrk="1" latinLnBrk="0" hangingPunct="1">
+              <a:defRPr sz="1800" kern="1200">
+                <a:solidFill>
+                  <a:schemeClr val="lt1"/>
+                </a:solidFill>
+                <a:latin typeface="+mn-lt"/>
+                <a:ea typeface="+mn-ea"/>
+                <a:cs typeface="+mn-cs"/>
+              </a:defRPr>
+            </a:lvl2pPr>
+            <a:lvl3pPr marL="914400" algn="l" defTabSz="914400" rtl="0" eaLnBrk="1" latinLnBrk="0" hangingPunct="1">
+              <a:defRPr sz="1800" kern="1200">
+                <a:solidFill>
+                  <a:schemeClr val="lt1"/>
+                </a:solidFill>
+                <a:latin typeface="+mn-lt"/>
+                <a:ea typeface="+mn-ea"/>
+                <a:cs typeface="+mn-cs"/>
+              </a:defRPr>
+            </a:lvl3pPr>
+            <a:lvl4pPr marL="1371600" algn="l" defTabSz="914400" rtl="0" eaLnBrk="1" latinLnBrk="0" hangingPunct="1">
+              <a:defRPr sz="1800" kern="1200">
+                <a:solidFill>
+                  <a:schemeClr val="lt1"/>
+                </a:solidFill>
+                <a:latin typeface="+mn-lt"/>
+                <a:ea typeface="+mn-ea"/>
+                <a:cs typeface="+mn-cs"/>
+              </a:defRPr>
+            </a:lvl4pPr>
+            <a:lvl5pPr marL="1828800" algn="l" defTabSz="914400" rtl="0" eaLnBrk="1" latinLnBrk="0" hangingPunct="1">
+              <a:defRPr sz="1800" kern="1200">
+                <a:solidFill>
+                  <a:schemeClr val="lt1"/>
+                </a:solidFill>
+                <a:latin typeface="+mn-lt"/>
+                <a:ea typeface="+mn-ea"/>
+                <a:cs typeface="+mn-cs"/>
+              </a:defRPr>
+            </a:lvl5pPr>
+            <a:lvl6pPr marL="2286000" algn="l" defTabSz="914400" rtl="0" eaLnBrk="1" latinLnBrk="0" hangingPunct="1">
+              <a:defRPr sz="1800" kern="1200">
+                <a:solidFill>
+                  <a:schemeClr val="lt1"/>
+                </a:solidFill>
+                <a:latin typeface="+mn-lt"/>
+                <a:ea typeface="+mn-ea"/>
+                <a:cs typeface="+mn-cs"/>
+              </a:defRPr>
+            </a:lvl6pPr>
+            <a:lvl7pPr marL="2743200" algn="l" defTabSz="914400" rtl="0" eaLnBrk="1" latinLnBrk="0" hangingPunct="1">
+              <a:defRPr sz="1800" kern="1200">
+                <a:solidFill>
+                  <a:schemeClr val="lt1"/>
+                </a:solidFill>
+                <a:latin typeface="+mn-lt"/>
+                <a:ea typeface="+mn-ea"/>
+                <a:cs typeface="+mn-cs"/>
+              </a:defRPr>
+            </a:lvl7pPr>
+            <a:lvl8pPr marL="3200400" algn="l" defTabSz="914400" rtl="0" eaLnBrk="1" latinLnBrk="0" hangingPunct="1">
+              <a:defRPr sz="1800" kern="1200">
+                <a:solidFill>
+                  <a:schemeClr val="lt1"/>
+                </a:solidFill>
+                <a:latin typeface="+mn-lt"/>
+                <a:ea typeface="+mn-ea"/>
+                <a:cs typeface="+mn-cs"/>
+              </a:defRPr>
+            </a:lvl8pPr>
+            <a:lvl9pPr marL="3657600" algn="l" defTabSz="914400" rtl="0" eaLnBrk="1" latinLnBrk="0" hangingPunct="1">
+              <a:defRPr sz="1800" kern="1200">
+                <a:solidFill>
+                  <a:schemeClr val="lt1"/>
+                </a:solidFill>
+                <a:latin typeface="+mn-lt"/>
+                <a:ea typeface="+mn-ea"/>
+                <a:cs typeface="+mn-cs"/>
+              </a:defRPr>
+            </a:lvl9pPr>
+          </a:lstStyle>
+          <a:p>
+            <a:pPr algn="ctr"/>
+            <a:r>
+              <a:rPr lang="en-US" sz="1200" dirty="0"/>
+              <a:t>Declares Components Manually</a:t>
+            </a:r>
+          </a:p>
+        </p:txBody>
+      </p:sp>
+      <p:pic>
+        <p:nvPicPr>
+          <p:cNvPr id="3074" name="Picture 2"/>
+          <p:cNvPicPr>
+            <a:picLocks noChangeAspect="1" noChangeArrowheads="1"/>
+          </p:cNvPicPr>
+          <p:nvPr/>
+        </p:nvPicPr>
+        <p:blipFill>
+          <a:blip r:embed="rId3">
+            <a:extLst>
+              <a:ext uri="{28A0092B-C50C-407E-A947-70E740481C1C}">
+                <a14:useLocalDpi xmlns:a14="http://schemas.microsoft.com/office/drawing/2010/main" val="0"/>
+              </a:ext>
+            </a:extLst>
+          </a:blip>
+          <a:srcRect/>
+          <a:stretch>
+            <a:fillRect/>
+          </a:stretch>
+        </p:blipFill>
+        <p:spPr bwMode="auto">
+          <a:xfrm>
+            <a:off x="307975" y="465138"/>
+            <a:ext cx="5078411" cy="3033226"/>
+          </a:xfrm>
+          <a:prstGeom prst="rect">
+            <a:avLst/>
+          </a:prstGeom>
+          <a:ln/>
+        </p:spPr>
+        <p:style>
+          <a:lnRef idx="1">
+            <a:schemeClr val="accent4"/>
+          </a:lnRef>
+          <a:fillRef idx="2">
+            <a:schemeClr val="accent4"/>
+          </a:fillRef>
+          <a:effectRef idx="1">
+            <a:schemeClr val="accent4"/>
+          </a:effectRef>
+          <a:fontRef idx="minor">
+            <a:schemeClr val="dk1"/>
+          </a:fontRef>
+        </p:style>
+      </p:pic>
+      <p:pic>
+        <p:nvPicPr>
+          <p:cNvPr id="3075" name="Picture 3"/>
+          <p:cNvPicPr>
+            <a:picLocks noChangeAspect="1" noChangeArrowheads="1"/>
+          </p:cNvPicPr>
+          <p:nvPr/>
+        </p:nvPicPr>
+        <p:blipFill>
+          <a:blip r:embed="rId4">
+            <a:extLst>
+              <a:ext uri="{28A0092B-C50C-407E-A947-70E740481C1C}">
+                <a14:useLocalDpi xmlns:a14="http://schemas.microsoft.com/office/drawing/2010/main" val="0"/>
+              </a:ext>
+            </a:extLst>
+          </a:blip>
+          <a:srcRect/>
+          <a:stretch>
+            <a:fillRect/>
+          </a:stretch>
+        </p:blipFill>
+        <p:spPr bwMode="auto">
+          <a:xfrm>
+            <a:off x="298450" y="3610014"/>
+            <a:ext cx="8648700" cy="1114386"/>
+          </a:xfrm>
+          <a:prstGeom prst="rect">
+            <a:avLst/>
+          </a:prstGeom>
+          <a:ln/>
+        </p:spPr>
+        <p:style>
+          <a:lnRef idx="1">
+            <a:schemeClr val="accent4"/>
+          </a:lnRef>
+          <a:fillRef idx="2">
+            <a:schemeClr val="accent4"/>
+          </a:fillRef>
+          <a:effectRef idx="1">
+            <a:schemeClr val="accent4"/>
+          </a:effectRef>
+          <a:fontRef idx="minor">
+            <a:schemeClr val="dk1"/>
+          </a:fontRef>
+        </p:style>
+      </p:pic>
+    </p:spTree>
+    <p:extLst>
+      <p:ext uri="{BB962C8B-B14F-4D97-AF65-F5344CB8AC3E}">
+        <p14:creationId xmlns:p14="http://schemas.microsoft.com/office/powerpoint/2010/main" val="414769740"/>
+      </p:ext>
+    </p:extLst>
+  </p:cSld>
+  <p:clrMapOvr>
+    <a:masterClrMapping/>
+  </p:clrMapOvr>
+  <mc:AlternateContent xmlns:mc="http://schemas.openxmlformats.org/markup-compatibility/2006" xmlns:p14="http://schemas.microsoft.com/office/powerpoint/2010/main">
+    <mc:Choice Requires="p14">
+      <p:transition spd="slow" p14:dur="2000"/>
+    </mc:Choice>
+    <mc:Fallback xmlns="">
+      <p:transition spd="slow"/>
+    </mc:Fallback>
+  </mc:AlternateContent>
+  <p:timing>
+    <p:tnLst>
+      <p:par>
+        <p:cTn id="1" dur="indefinite" restart="never" nodeType="tmRoot"/>
+      </p:par>
+    </p:tnLst>
+  </p:timing>
+</p:sld>
+</file>
+
+<file path=ppt/slides/slide4.xml><?xml version="1.0" encoding="utf-8"?>
+<p:sld xmlns:a="http://schemas.openxmlformats.org/drawingml/2006/main" xmlns:r="http://schemas.openxmlformats.org/officeDocument/2006/relationships" xmlns:p="http://schemas.openxmlformats.org/presentationml/2006/main">
+  <p:cSld>
+    <p:spTree>
+      <p:nvGrpSpPr>
+        <p:cNvPr id="1" name=""/>
+        <p:cNvGrpSpPr/>
+        <p:nvPr/>
+      </p:nvGrpSpPr>
+      <p:grpSpPr>
+        <a:xfrm>
+          <a:off x="0" y="0"/>
+          <a:ext cx="0" cy="0"/>
+          <a:chOff x="0" y="0"/>
+          <a:chExt cx="0" cy="0"/>
+        </a:xfrm>
+      </p:grpSpPr>
+      <p:sp>
+        <p:nvSpPr>
+          <p:cNvPr id="3" name="AutoShape 2" descr="data:image/png;base64,iVBORw0KGgoAAAANSUhEUgAAANEAAADxCAMAAABiSKLrAAAAbFBMVEWIiIj////6+vr29vb19fX4+Pj5+fnu7u77+/v39/f9/f3z8/P+/v709PT8/Pyqqqrt7e3v7+/w8PDx8fHy8vK+vr7Q0NCjo6OBgYHY2Njk5OTHx8eNjY3c3NzGxsbn5+eWlpa1tbWcnJx6enob4+f+AAAIqklEQVR4nO3dCZuaOhQGYEZAh0FkX2W1//8/lkVMICeIkRmOPHz22lYg5OVEZLFzJRNrnC+xSGt3nJvQekMUYktnEiM1ouDrjCs/pukLkzoRtpjmNRcloRUFoiS8oo5UvLwsYpEgCaXoHLYiMRJqkRAJt0iEhFwkQMIqCgJRElpRLErCL3r1oxavSJSEWCRIQikyOtGQNPd8CaXICc04FiXhFomQkIsESChFbmhmwiT0opf3eBivMzSjLuORnh49oKxRKxIloayR24oESShFRScSI6EUJaGZCJNwiwhp/skFcpFAlbCLXiehF71MQisSJiEVVYkwqRP9oEpXI1HSXXRuWjo/2jz3f3v8YfjS7871lbU1EiT1IjrAKrvX/2iurzisijkk8OQC5ah7iERIyEUCJOyi10noRU9J490DUpFPRAApniJhFVnzSaOdOF6RKAmlKGhFgiTMohdIyYeIhEh30aV99E9NLo8VXLqn++Q/mIuIREid6DJsv32s91Ityi1hEtJRl5+ESX2NMKUR2ZYoCbNIjIRV5FiiJIyicx7mriVEKnCKfvxadBIloRQ1NTqJkcICpcgPr7rjOPYJZnFNbZVwikw/YHNlXmDi4xW9kU70jSnNqOu/xL4R0aWg3yNMgNHWp0I66i7Dy5PsdXFuApw1Eg8RndfuykLZa4Q/512EPrsIfzYtOmwje43wh4h+1u7KQvm5bk601wh9NlijXYQ+uwh/HqLrZkTXh+h4PDQP8lQ/PvAlSrT2xl0oRHQ5biOXXYQ+uwh/dhH+7CL82bRI3Ua2XKPvtTfuQvneReizi/BnF+HPLsKfTYu0bYQWsd5PfImIDmtv3IVy2EXos4vwZxfhzy7CH0okbyO7CH+2/D46rr1xF8pxF6HPLsKfXYQ/uwh/KJGyjWxatPZwWShEpK69cReKuovQZxfhzy7Cn12EP0SkGduItmHRzFF3P3r63ZHzTl4YdYqsHg/e/YdF2e7xcFRVrba109gMFp2evGhmjzpFVZLcvJVpl7K8hWaVB1liNVNdJh7VZ4Wd7P4aaa5I866lFEnDRHWksC5eVgtH8VWy8PHGTE5V/rr+QqSocTnm9CpTM+SMmRhVVJcPKbPYv5VFcs7x1F3P1eeikl1sXZHGB0lRLH+eSI75ICk6KZ8nctkOkaQN+cNEWjBRIimU0YpkHY4hmxOgqNIMHRaRJo6giLO+dyM/F1nsvpfqWVAv92Eihe0u3bNE+TgR/FkURfWhUHPMIBsguh6N0yKNs7o/EGkVIEpj+XA8fltJ0GzqDxMdQwBka+2gqQ/p9FYkpaNIiEXuje3OddQfg738rFCTcYmME9sdKXntbY1MBOy802JrotJ6bSUiInLia7y2+aZEbXuyxXbn5vXXGQazDs+6xUWGoql2kXU/DDrOssLWNFmZ65oQufeflwvU6PHDdO8ki/0xu/Rb7RVRvZNJgupW7y3bU+T6JLnej97MPLNUhbPIbJEV9U2y/eknHds5lfhfNMo/sb23oRX5LQXWGUmpGdtz3nxEpOiep7eP+5MFUEZJj+0SCnsCVX/CkrZUQFRvQG+8RkNOzHTi5LL0rW6x8YL0bwolGtdolqir0fQxAyQCNrdsVczFmdFS6fXp+4kSecPMEqntrAYkkklTYI288frkYKI+j+XCYtzRUdCIdMV/7mkWTDNmY6AU6bo5C9QknqwSEpFuzAdJUjZFQiJSoFMWfhIDu0ievDjD5ubquEV6AjVet3krU3B/Hvn8cYdDBJxUSlKVaJqmWvENMiXcImEQKcCYi26W1nZaN9SAXXFkcos0JZpxXLeICDpLDnVSBDkDusAtEhGN72p5J78LcMbn9+nudemgiDSlASLF66cC20NKbZ3qCnAnIfKp9gcxiIjVPj8/8mbVCBY9VsNes42C4YgBrgyUJ06NpkRdCuD8yB418pYIOkl2hyuQ2SOkKOMMO4M76vrBB4sG84Cjjrr5Cooeo4TdLwyGbLsC4IKgD93dHY66lUQye7gQxfqgfdcDhr7JeSOtLoL2dOn4KEdX2E+s0hp24j3RaUERsPnLLBmlYPceaYJVBB0Bja85p8ANn3rXgFX02kEqaSGAeywoGs7zjghYdqYoxyp68USCtMDZfX+wqHomav53fkBcWDSYx4NEBpkuAyLj3oSwSDIVsMM6ETVAp/3V/KG2tP/xRPRccI1IW7Comyr8PupE9052bbW/0yLHpX/1T1wRmQuskULa4oqcd/Z1pjLu6li0zqgDP49m5fmo+2NR3z50zFBYczLsBB6Rxx6y8Q5wRoE7LCaylhM5BnTs7cGdmZP1RZzdygeLXOjW9fg94jYXUnjjbBHRcJ5nImVKBA67fFgkL/HzIE4KRW7vM0/i/kQ0WSPHg75KldHdqc+h7pfZ0jKs/GuDM3hvNSLizSEqoroE1Yia7ELf00kIWS/o09z+EmLA6bC3hMh9TwRskDq51x47e4Zzhc73Qt64wyByPOjmUVT6cZZkcQV+0zxNflX05qgD36tSe3MilcCr1FLEe9sPRDYYjmgwD1wjMl1hm4h0ugF43PETVd6wB3RbKES2Pu+2cr9waHFBWESO+8JtyxrkckFYRDa8dxAAoRHNH3hRNTHkUIlsY9Z3TqR6LzcFokScSsKi4TzPRMYske0VT78XJJkJZ8uTzojV6FdEtmNkE9/diqLUzJTpAtmzalQyF6FvI5ETA9+OpraQwTYhwRvQMYqryX6sNn8vq8AynnqoGuXuCY7N/vMR3R7N47DzePR04J+gjJt4rM7V3SzwzbC8FzYtb2Z1jQtDd3nLDOLmD1E9v90++qfT4Lfh5N+cq/508shXb5st6Ll1cWa2RYu2EUo0p6QfkF2EP7sIf3YR/hCRs3ZXFoqzYdEGR92su1D4Q486yzq1D/L0iS85W67R2l1ZKLsIfzYs4l05+bg8rpxU/lZS3UXbyvZE/wFXu+LXNTDaDQAAAABJRU5ErkJggg=="/>
+          <p:cNvSpPr>
+            <a:spLocks noChangeAspect="1" noChangeArrowheads="1"/>
+          </p:cNvSpPr>
+          <p:nvPr/>
+        </p:nvSpPr>
+        <p:spPr bwMode="auto">
+          <a:xfrm>
+            <a:off x="155575" y="-144463"/>
+            <a:ext cx="304800" cy="304801"/>
+          </a:xfrm>
+          <a:prstGeom prst="rect">
+            <a:avLst/>
+          </a:prstGeom>
+          <a:noFill/>
+          <a:extLst>
+            <a:ext uri="{909E8E84-426E-40DD-AFC4-6F175D3DCCD1}">
+              <a14:hiddenFill xmlns:a14="http://schemas.microsoft.com/office/drawing/2010/main">
+                <a:solidFill>
+                  <a:srgbClr val="FFFFFF"/>
+                </a:solidFill>
+              </a14:hiddenFill>
+            </a:ext>
+          </a:extLst>
+        </p:spPr>
+        <p:txBody>
+          <a:bodyPr vert="horz" wrap="square" lIns="91440" tIns="45720" rIns="91440" bIns="45720" numCol="1" anchor="t" anchorCtr="0" compatLnSpc="1">
+            <a:prstTxWarp prst="textNoShape">
+              <a:avLst/>
+            </a:prstTxWarp>
+          </a:bodyPr>
+          <a:lstStyle/>
+          <a:p>
+            <a:endParaRPr lang="en-US" sz="1200" dirty="0"/>
+          </a:p>
+        </p:txBody>
+      </p:sp>
+      <p:sp>
+        <p:nvSpPr>
+          <p:cNvPr id="2" name="AutoShape 2" descr="Image result for file"/>
+          <p:cNvSpPr>
+            <a:spLocks noChangeAspect="1" noChangeArrowheads="1"/>
+          </p:cNvSpPr>
+          <p:nvPr/>
+        </p:nvSpPr>
+        <p:spPr bwMode="auto">
+          <a:xfrm>
+            <a:off x="307975" y="7937"/>
+            <a:ext cx="304800" cy="304801"/>
+          </a:xfrm>
+          <a:prstGeom prst="rect">
+            <a:avLst/>
+          </a:prstGeom>
+          <a:noFill/>
+          <a:extLst>
+            <a:ext uri="{909E8E84-426E-40DD-AFC4-6F175D3DCCD1}">
+              <a14:hiddenFill xmlns:a14="http://schemas.microsoft.com/office/drawing/2010/main">
+                <a:solidFill>
+                  <a:srgbClr val="FFFFFF"/>
+                </a:solidFill>
+              </a14:hiddenFill>
+            </a:ext>
+          </a:extLst>
+        </p:spPr>
+        <p:txBody>
+          <a:bodyPr vert="horz" wrap="square" lIns="91440" tIns="45720" rIns="91440" bIns="45720" numCol="1" anchor="t" anchorCtr="0" compatLnSpc="1">
+            <a:prstTxWarp prst="textNoShape">
+              <a:avLst/>
+            </a:prstTxWarp>
+          </a:bodyPr>
+          <a:lstStyle/>
+          <a:p>
+            <a:endParaRPr lang="en-US" dirty="0"/>
+          </a:p>
+        </p:txBody>
+      </p:sp>
+      <p:sp>
+        <p:nvSpPr>
+          <p:cNvPr id="4" name="AutoShape 4" descr="Image result for file"/>
+          <p:cNvSpPr>
+            <a:spLocks noChangeAspect="1" noChangeArrowheads="1"/>
+          </p:cNvSpPr>
+          <p:nvPr/>
+        </p:nvSpPr>
+        <p:spPr bwMode="auto">
+          <a:xfrm>
+            <a:off x="460375" y="160337"/>
+            <a:ext cx="304800" cy="304801"/>
+          </a:xfrm>
+          <a:prstGeom prst="rect">
+            <a:avLst/>
+          </a:prstGeom>
+          <a:noFill/>
+          <a:extLst>
+            <a:ext uri="{909E8E84-426E-40DD-AFC4-6F175D3DCCD1}">
+              <a14:hiddenFill xmlns:a14="http://schemas.microsoft.com/office/drawing/2010/main">
+                <a:solidFill>
+                  <a:srgbClr val="FFFFFF"/>
+                </a:solidFill>
+              </a14:hiddenFill>
+            </a:ext>
+          </a:extLst>
+        </p:spPr>
+        <p:txBody>
+          <a:bodyPr vert="horz" wrap="square" lIns="91440" tIns="45720" rIns="91440" bIns="45720" numCol="1" anchor="t" anchorCtr="0" compatLnSpc="1">
+            <a:prstTxWarp prst="textNoShape">
+              <a:avLst/>
+            </a:prstTxWarp>
+          </a:bodyPr>
+          <a:lstStyle/>
+          <a:p>
+            <a:endParaRPr lang="en-US" dirty="0"/>
+          </a:p>
+        </p:txBody>
+      </p:sp>
+      <p:sp>
+        <p:nvSpPr>
+          <p:cNvPr id="13" name="Rectangle 12"/>
+          <p:cNvSpPr/>
+          <p:nvPr/>
+        </p:nvSpPr>
+        <p:spPr>
+          <a:xfrm>
+            <a:off x="3651250" y="35739"/>
+            <a:ext cx="2133600" cy="276999"/>
+          </a:xfrm>
+          <a:prstGeom prst="rect">
+            <a:avLst/>
+          </a:prstGeom>
+        </p:spPr>
+        <p:style>
+          <a:lnRef idx="1">
+            <a:schemeClr val="accent4"/>
+          </a:lnRef>
+          <a:fillRef idx="3">
+            <a:schemeClr val="accent4"/>
+          </a:fillRef>
+          <a:effectRef idx="2">
+            <a:schemeClr val="accent4"/>
+          </a:effectRef>
+          <a:fontRef idx="minor">
+            <a:schemeClr val="lt1"/>
+          </a:fontRef>
+        </p:style>
+        <p:txBody>
+          <a:bodyPr wrap="square">
+            <a:spAutoFit/>
+          </a:bodyPr>
+          <a:lstStyle>
+            <a:defPPr>
+              <a:defRPr lang="en-US"/>
+            </a:defPPr>
+            <a:lvl1pPr marL="0" algn="l" defTabSz="914400" rtl="0" eaLnBrk="1" latinLnBrk="0" hangingPunct="1">
+              <a:defRPr sz="1800" kern="1200">
+                <a:solidFill>
+                  <a:schemeClr val="lt1"/>
+                </a:solidFill>
+                <a:latin typeface="+mn-lt"/>
+                <a:ea typeface="+mn-ea"/>
+                <a:cs typeface="+mn-cs"/>
+              </a:defRPr>
+            </a:lvl1pPr>
+            <a:lvl2pPr marL="457200" algn="l" defTabSz="914400" rtl="0" eaLnBrk="1" latinLnBrk="0" hangingPunct="1">
+              <a:defRPr sz="1800" kern="1200">
+                <a:solidFill>
+                  <a:schemeClr val="lt1"/>
+                </a:solidFill>
+                <a:latin typeface="+mn-lt"/>
+                <a:ea typeface="+mn-ea"/>
+                <a:cs typeface="+mn-cs"/>
+              </a:defRPr>
+            </a:lvl2pPr>
+            <a:lvl3pPr marL="914400" algn="l" defTabSz="914400" rtl="0" eaLnBrk="1" latinLnBrk="0" hangingPunct="1">
+              <a:defRPr sz="1800" kern="1200">
+                <a:solidFill>
+                  <a:schemeClr val="lt1"/>
+                </a:solidFill>
+                <a:latin typeface="+mn-lt"/>
+                <a:ea typeface="+mn-ea"/>
+                <a:cs typeface="+mn-cs"/>
+              </a:defRPr>
+            </a:lvl3pPr>
+            <a:lvl4pPr marL="1371600" algn="l" defTabSz="914400" rtl="0" eaLnBrk="1" latinLnBrk="0" hangingPunct="1">
+              <a:defRPr sz="1800" kern="1200">
+                <a:solidFill>
+                  <a:schemeClr val="lt1"/>
+                </a:solidFill>
+                <a:latin typeface="+mn-lt"/>
+                <a:ea typeface="+mn-ea"/>
+                <a:cs typeface="+mn-cs"/>
+              </a:defRPr>
+            </a:lvl4pPr>
+            <a:lvl5pPr marL="1828800" algn="l" defTabSz="914400" rtl="0" eaLnBrk="1" latinLnBrk="0" hangingPunct="1">
+              <a:defRPr sz="1800" kern="1200">
+                <a:solidFill>
+                  <a:schemeClr val="lt1"/>
+                </a:solidFill>
+                <a:latin typeface="+mn-lt"/>
+                <a:ea typeface="+mn-ea"/>
+                <a:cs typeface="+mn-cs"/>
+              </a:defRPr>
+            </a:lvl5pPr>
+            <a:lvl6pPr marL="2286000" algn="l" defTabSz="914400" rtl="0" eaLnBrk="1" latinLnBrk="0" hangingPunct="1">
+              <a:defRPr sz="1800" kern="1200">
+                <a:solidFill>
+                  <a:schemeClr val="lt1"/>
+                </a:solidFill>
+                <a:latin typeface="+mn-lt"/>
+                <a:ea typeface="+mn-ea"/>
+                <a:cs typeface="+mn-cs"/>
+              </a:defRPr>
+            </a:lvl6pPr>
+            <a:lvl7pPr marL="2743200" algn="l" defTabSz="914400" rtl="0" eaLnBrk="1" latinLnBrk="0" hangingPunct="1">
+              <a:defRPr sz="1800" kern="1200">
+                <a:solidFill>
+                  <a:schemeClr val="lt1"/>
+                </a:solidFill>
+                <a:latin typeface="+mn-lt"/>
+                <a:ea typeface="+mn-ea"/>
+                <a:cs typeface="+mn-cs"/>
+              </a:defRPr>
+            </a:lvl7pPr>
+            <a:lvl8pPr marL="3200400" algn="l" defTabSz="914400" rtl="0" eaLnBrk="1" latinLnBrk="0" hangingPunct="1">
+              <a:defRPr sz="1800" kern="1200">
+                <a:solidFill>
+                  <a:schemeClr val="lt1"/>
+                </a:solidFill>
+                <a:latin typeface="+mn-lt"/>
+                <a:ea typeface="+mn-ea"/>
+                <a:cs typeface="+mn-cs"/>
+              </a:defRPr>
+            </a:lvl8pPr>
+            <a:lvl9pPr marL="3657600" algn="l" defTabSz="914400" rtl="0" eaLnBrk="1" latinLnBrk="0" hangingPunct="1">
+              <a:defRPr sz="1800" kern="1200">
+                <a:solidFill>
+                  <a:schemeClr val="lt1"/>
+                </a:solidFill>
+                <a:latin typeface="+mn-lt"/>
+                <a:ea typeface="+mn-ea"/>
+                <a:cs typeface="+mn-cs"/>
+              </a:defRPr>
+            </a:lvl9pPr>
+          </a:lstStyle>
+          <a:p>
+            <a:pPr algn="ctr"/>
+            <a:r>
+              <a:rPr lang="en-US" sz="1200" dirty="0"/>
+              <a:t>Auto Components Scanning</a:t>
+            </a:r>
+          </a:p>
+        </p:txBody>
+      </p:sp>
+      <p:pic>
+        <p:nvPicPr>
+          <p:cNvPr id="1026" name="Picture 2"/>
+          <p:cNvPicPr>
+            <a:picLocks noChangeAspect="1" noChangeArrowheads="1"/>
+          </p:cNvPicPr>
+          <p:nvPr/>
+        </p:nvPicPr>
+        <p:blipFill>
+          <a:blip r:embed="rId3">
+            <a:extLst>
+              <a:ext uri="{28A0092B-C50C-407E-A947-70E740481C1C}">
+                <a14:useLocalDpi xmlns:a14="http://schemas.microsoft.com/office/drawing/2010/main" val="0"/>
+              </a:ext>
+            </a:extLst>
+          </a:blip>
+          <a:srcRect/>
+          <a:stretch>
+            <a:fillRect/>
+          </a:stretch>
+        </p:blipFill>
+        <p:spPr bwMode="auto">
+          <a:xfrm>
+            <a:off x="228599" y="1676400"/>
+            <a:ext cx="4011059" cy="3200159"/>
+          </a:xfrm>
+          <a:prstGeom prst="rect">
+            <a:avLst/>
+          </a:prstGeom>
+          <a:ln/>
+        </p:spPr>
+        <p:style>
+          <a:lnRef idx="1">
+            <a:schemeClr val="accent4"/>
+          </a:lnRef>
+          <a:fillRef idx="2">
+            <a:schemeClr val="accent4"/>
+          </a:fillRef>
+          <a:effectRef idx="1">
+            <a:schemeClr val="accent4"/>
+          </a:effectRef>
+          <a:fontRef idx="minor">
+            <a:schemeClr val="dk1"/>
+          </a:fontRef>
+        </p:style>
+      </p:pic>
+      <p:pic>
+        <p:nvPicPr>
+          <p:cNvPr id="1027" name="Picture 3"/>
+          <p:cNvPicPr>
+            <a:picLocks noChangeAspect="1" noChangeArrowheads="1"/>
+          </p:cNvPicPr>
+          <p:nvPr/>
+        </p:nvPicPr>
+        <p:blipFill>
+          <a:blip r:embed="rId4">
+            <a:extLst>
+              <a:ext uri="{28A0092B-C50C-407E-A947-70E740481C1C}">
+                <a14:useLocalDpi xmlns:a14="http://schemas.microsoft.com/office/drawing/2010/main" val="0"/>
+              </a:ext>
+            </a:extLst>
+          </a:blip>
+          <a:srcRect/>
+          <a:stretch>
+            <a:fillRect/>
+          </a:stretch>
+        </p:blipFill>
+        <p:spPr bwMode="auto">
+          <a:xfrm>
+            <a:off x="4572000" y="1676400"/>
+            <a:ext cx="4381500" cy="2276475"/>
+          </a:xfrm>
+          <a:prstGeom prst="rect">
+            <a:avLst/>
+          </a:prstGeom>
+          <a:ln/>
+        </p:spPr>
+        <p:style>
+          <a:lnRef idx="1">
+            <a:schemeClr val="accent4"/>
+          </a:lnRef>
+          <a:fillRef idx="2">
+            <a:schemeClr val="accent4"/>
+          </a:fillRef>
+          <a:effectRef idx="1">
+            <a:schemeClr val="accent4"/>
+          </a:effectRef>
+          <a:fontRef idx="minor">
+            <a:schemeClr val="dk1"/>
+          </a:fontRef>
+        </p:style>
+      </p:pic>
+      <p:cxnSp>
+        <p:nvCxnSpPr>
+          <p:cNvPr id="6" name="Straight Arrow Connector 5"/>
+          <p:cNvCxnSpPr/>
+          <p:nvPr/>
+        </p:nvCxnSpPr>
+        <p:spPr>
+          <a:xfrm flipV="1">
+            <a:off x="990600" y="1219200"/>
+            <a:ext cx="2362200" cy="1447800"/>
+          </a:xfrm>
+          <a:prstGeom prst="straightConnector1">
+            <a:avLst/>
+          </a:prstGeom>
+          <a:ln>
+            <a:tailEnd type="arrow"/>
+          </a:ln>
+        </p:spPr>
+        <p:style>
+          <a:lnRef idx="1">
+            <a:schemeClr val="accent2"/>
+          </a:lnRef>
+          <a:fillRef idx="0">
+            <a:schemeClr val="accent2"/>
+          </a:fillRef>
+          <a:effectRef idx="0">
+            <a:schemeClr val="accent2"/>
+          </a:effectRef>
+          <a:fontRef idx="minor">
+            <a:schemeClr val="tx1"/>
+          </a:fontRef>
+        </p:style>
+      </p:cxnSp>
+      <p:cxnSp>
+        <p:nvCxnSpPr>
+          <p:cNvPr id="8" name="Straight Arrow Connector 7"/>
+          <p:cNvCxnSpPr>
+            <a:endCxn id="9" idx="2"/>
+          </p:cNvCxnSpPr>
+          <p:nvPr/>
+        </p:nvCxnSpPr>
+        <p:spPr>
+          <a:xfrm flipH="1" flipV="1">
+            <a:off x="3695700" y="1219200"/>
+            <a:ext cx="1714500" cy="1295400"/>
+          </a:xfrm>
+          <a:prstGeom prst="straightConnector1">
+            <a:avLst/>
+          </a:prstGeom>
+          <a:ln>
+            <a:tailEnd type="arrow"/>
+          </a:ln>
+        </p:spPr>
+        <p:style>
+          <a:lnRef idx="1">
+            <a:schemeClr val="accent2"/>
+          </a:lnRef>
+          <a:fillRef idx="0">
+            <a:schemeClr val="accent2"/>
+          </a:fillRef>
+          <a:effectRef idx="0">
+            <a:schemeClr val="accent2"/>
+          </a:effectRef>
+          <a:fontRef idx="minor">
+            <a:schemeClr val="tx1"/>
+          </a:fontRef>
+        </p:style>
+      </p:cxnSp>
+      <p:sp>
+        <p:nvSpPr>
+          <p:cNvPr id="9" name="Rectangle 8"/>
+          <p:cNvSpPr/>
+          <p:nvPr/>
+        </p:nvSpPr>
+        <p:spPr>
+          <a:xfrm>
+            <a:off x="990600" y="762000"/>
+            <a:ext cx="5410200" cy="457200"/>
+          </a:xfrm>
+          <a:prstGeom prst="rect">
+            <a:avLst/>
           </a:prstGeom>
           <a:ln w="3175"/>
         </p:spPr>
@@ -4601,6 +5675,412 @@
           <a:bodyPr rtlCol="0" anchor="ctr"/>
           <a:lstStyle/>
           <a:p>
+            <a:r>
+              <a:rPr lang="en-US" sz="1200" dirty="0"/>
+              <a:t>Annotate with </a:t>
+            </a:r>
+            <a:r>
+              <a:rPr lang="en-US" sz="1200" b="1" dirty="0"/>
+              <a:t>@Component</a:t>
+            </a:r>
+            <a:r>
+              <a:rPr lang="en-US" sz="1200" dirty="0"/>
+              <a:t> to indicate this </a:t>
+            </a:r>
+            <a:r>
+              <a:rPr lang="en-US" sz="1200" dirty="0" smtClean="0"/>
+              <a:t>class </a:t>
+            </a:r>
+            <a:r>
+              <a:rPr lang="en-US" sz="1200" dirty="0"/>
+              <a:t>is an auto scan component.</a:t>
+            </a:r>
+          </a:p>
+        </p:txBody>
+      </p:sp>
+    </p:spTree>
+    <p:extLst>
+      <p:ext uri="{BB962C8B-B14F-4D97-AF65-F5344CB8AC3E}">
+        <p14:creationId xmlns:p14="http://schemas.microsoft.com/office/powerpoint/2010/main" val="2749113119"/>
+      </p:ext>
+    </p:extLst>
+  </p:cSld>
+  <p:clrMapOvr>
+    <a:masterClrMapping/>
+  </p:clrMapOvr>
+  <mc:AlternateContent xmlns:mc="http://schemas.openxmlformats.org/markup-compatibility/2006" xmlns:p14="http://schemas.microsoft.com/office/powerpoint/2010/main">
+    <mc:Choice Requires="p14">
+      <p:transition spd="slow" p14:dur="2000"/>
+    </mc:Choice>
+    <mc:Fallback xmlns="">
+      <p:transition spd="slow"/>
+    </mc:Fallback>
+  </mc:AlternateContent>
+  <p:timing>
+    <p:tnLst>
+      <p:par>
+        <p:cTn id="1" dur="indefinite" restart="never" nodeType="tmRoot"/>
+      </p:par>
+    </p:tnLst>
+  </p:timing>
+</p:sld>
+</file>
+
+<file path=ppt/slides/slide5.xml><?xml version="1.0" encoding="utf-8"?>
+<p:sld xmlns:a="http://schemas.openxmlformats.org/drawingml/2006/main" xmlns:r="http://schemas.openxmlformats.org/officeDocument/2006/relationships" xmlns:p="http://schemas.openxmlformats.org/presentationml/2006/main">
+  <p:cSld>
+    <p:spTree>
+      <p:nvGrpSpPr>
+        <p:cNvPr id="1" name=""/>
+        <p:cNvGrpSpPr/>
+        <p:nvPr/>
+      </p:nvGrpSpPr>
+      <p:grpSpPr>
+        <a:xfrm>
+          <a:off x="0" y="0"/>
+          <a:ext cx="0" cy="0"/>
+          <a:chOff x="0" y="0"/>
+          <a:chExt cx="0" cy="0"/>
+        </a:xfrm>
+      </p:grpSpPr>
+      <p:sp>
+        <p:nvSpPr>
+          <p:cNvPr id="3" name="AutoShape 2" descr="data:image/png;base64,iVBORw0KGgoAAAANSUhEUgAAANEAAADxCAMAAABiSKLrAAAAbFBMVEWIiIj////6+vr29vb19fX4+Pj5+fnu7u77+/v39/f9/f3z8/P+/v709PT8/Pyqqqrt7e3v7+/w8PDx8fHy8vK+vr7Q0NCjo6OBgYHY2Njk5OTHx8eNjY3c3NzGxsbn5+eWlpa1tbWcnJx6enob4+f+AAAIqklEQVR4nO3dCZuaOhQGYEZAh0FkX2W1//8/lkVMICeIkRmOPHz22lYg5OVEZLFzJRNrnC+xSGt3nJvQekMUYktnEiM1ouDrjCs/pukLkzoRtpjmNRcloRUFoiS8oo5UvLwsYpEgCaXoHLYiMRJqkRAJt0iEhFwkQMIqCgJRElpRLErCL3r1oxavSJSEWCRIQikyOtGQNPd8CaXICc04FiXhFomQkIsESChFbmhmwiT0opf3eBivMzSjLuORnh49oKxRKxIloayR24oESShFRScSI6EUJaGZCJNwiwhp/skFcpFAlbCLXiehF71MQisSJiEVVYkwqRP9oEpXI1HSXXRuWjo/2jz3f3v8YfjS7871lbU1EiT1IjrAKrvX/2iurzisijkk8OQC5ah7iERIyEUCJOyi10noRU9J490DUpFPRAApniJhFVnzSaOdOF6RKAmlKGhFgiTMohdIyYeIhEh30aV99E9NLo8VXLqn++Q/mIuIREid6DJsv32s91Ityi1hEtJRl5+ESX2NMKUR2ZYoCbNIjIRV5FiiJIyicx7mriVEKnCKfvxadBIloRQ1NTqJkcICpcgPr7rjOPYJZnFNbZVwikw/YHNlXmDi4xW9kU70jSnNqOu/xL4R0aWg3yNMgNHWp0I66i7Dy5PsdXFuApw1Eg8RndfuykLZa4Q/512EPrsIfzYtOmwje43wh4h+1u7KQvm5bk601wh9NlijXYQ+uwh/HqLrZkTXh+h4PDQP8lQ/PvAlSrT2xl0oRHQ5biOXXYQ+uwh/dhH+7CL82bRI3Ua2XKPvtTfuQvneReizi/BnF+HPLsKfTYu0bYQWsd5PfImIDmtv3IVy2EXos4vwZxfhzy7CH0okbyO7CH+2/D46rr1xF8pxF6HPLsKfXYQ/uwh/KJGyjWxatPZwWShEpK69cReKuovQZxfhzy7Cn12EP0SkGduItmHRzFF3P3r63ZHzTl4YdYqsHg/e/YdF2e7xcFRVrba109gMFp2evGhmjzpFVZLcvJVpl7K8hWaVB1liNVNdJh7VZ4Wd7P4aaa5I866lFEnDRHWksC5eVgtH8VWy8PHGTE5V/rr+QqSocTnm9CpTM+SMmRhVVJcPKbPYv5VFcs7x1F3P1eeikl1sXZHGB0lRLH+eSI75ICk6KZ8nctkOkaQN+cNEWjBRIimU0YpkHY4hmxOgqNIMHRaRJo6giLO+dyM/F1nsvpfqWVAv92Eihe0u3bNE+TgR/FkURfWhUHPMIBsguh6N0yKNs7o/EGkVIEpj+XA8fltJ0GzqDxMdQwBka+2gqQ/p9FYkpaNIiEXuje3OddQfg738rFCTcYmME9sdKXntbY1MBOy802JrotJ6bSUiInLia7y2+aZEbXuyxXbn5vXXGQazDs+6xUWGoql2kXU/DDrOssLWNFmZ65oQufeflwvU6PHDdO8ki/0xu/Rb7RVRvZNJgupW7y3bU+T6JLnej97MPLNUhbPIbJEV9U2y/eknHds5lfhfNMo/sb23oRX5LQXWGUmpGdtz3nxEpOiep7eP+5MFUEZJj+0SCnsCVX/CkrZUQFRvQG+8RkNOzHTi5LL0rW6x8YL0bwolGtdolqir0fQxAyQCNrdsVczFmdFS6fXp+4kSecPMEqntrAYkkklTYI288frkYKI+j+XCYtzRUdCIdMV/7mkWTDNmY6AU6bo5C9QknqwSEpFuzAdJUjZFQiJSoFMWfhIDu0ievDjD5ubquEV6AjVet3krU3B/Hvn8cYdDBJxUSlKVaJqmWvENMiXcImEQKcCYi26W1nZaN9SAXXFkcos0JZpxXLeICDpLDnVSBDkDusAtEhGN72p5J78LcMbn9+nudemgiDSlASLF66cC20NKbZ3qCnAnIfKp9gcxiIjVPj8/8mbVCBY9VsNes42C4YgBrgyUJ06NpkRdCuD8yB418pYIOkl2hyuQ2SOkKOMMO4M76vrBB4sG84Cjjrr5Cooeo4TdLwyGbLsC4IKgD93dHY66lUQye7gQxfqgfdcDhr7JeSOtLoL2dOn4KEdX2E+s0hp24j3RaUERsPnLLBmlYPceaYJVBB0Bja85p8ANn3rXgFX02kEqaSGAeywoGs7zjghYdqYoxyp68USCtMDZfX+wqHomav53fkBcWDSYx4NEBpkuAyLj3oSwSDIVsMM6ETVAp/3V/KG2tP/xRPRccI1IW7Comyr8PupE9052bbW/0yLHpX/1T1wRmQuskULa4oqcd/Z1pjLu6li0zqgDP49m5fmo+2NR3z50zFBYczLsBB6Rxx6y8Q5wRoE7LCaylhM5BnTs7cGdmZP1RZzdygeLXOjW9fg94jYXUnjjbBHRcJ5nImVKBA67fFgkL/HzIE4KRW7vM0/i/kQ0WSPHg75KldHdqc+h7pfZ0jKs/GuDM3hvNSLizSEqoroE1Yia7ELf00kIWS/o09z+EmLA6bC3hMh9TwRskDq51x47e4Zzhc73Qt64wyByPOjmUVT6cZZkcQV+0zxNflX05qgD36tSe3MilcCr1FLEe9sPRDYYjmgwD1wjMl1hm4h0ugF43PETVd6wB3RbKES2Pu+2cr9waHFBWESO+8JtyxrkckFYRDa8dxAAoRHNH3hRNTHkUIlsY9Z3TqR6LzcFokScSsKi4TzPRMYske0VT78XJJkJZ8uTzojV6FdEtmNkE9/diqLUzJTpAtmzalQyF6FvI5ETA9+OpraQwTYhwRvQMYqryX6sNn8vq8AynnqoGuXuCY7N/vMR3R7N47DzePR04J+gjJt4rM7V3SzwzbC8FzYtb2Z1jQtDd3nLDOLmD1E9v90++qfT4Lfh5N+cq/508shXb5st6Ll1cWa2RYu2EUo0p6QfkF2EP7sIf3YR/hCRs3ZXFoqzYdEGR92su1D4Q486yzq1D/L0iS85W67R2l1ZKLsIfzYs4l05+bg8rpxU/lZS3UXbyvZE/wFXu+LXNTDaDQAAAABJRU5ErkJggg=="/>
+          <p:cNvSpPr>
+            <a:spLocks noChangeAspect="1" noChangeArrowheads="1"/>
+          </p:cNvSpPr>
+          <p:nvPr/>
+        </p:nvSpPr>
+        <p:spPr bwMode="auto">
+          <a:xfrm>
+            <a:off x="155575" y="-144463"/>
+            <a:ext cx="304800" cy="304801"/>
+          </a:xfrm>
+          <a:prstGeom prst="rect">
+            <a:avLst/>
+          </a:prstGeom>
+          <a:noFill/>
+          <a:extLst>
+            <a:ext uri="{909E8E84-426E-40DD-AFC4-6F175D3DCCD1}">
+              <a14:hiddenFill xmlns:a14="http://schemas.microsoft.com/office/drawing/2010/main">
+                <a:solidFill>
+                  <a:srgbClr val="FFFFFF"/>
+                </a:solidFill>
+              </a14:hiddenFill>
+            </a:ext>
+          </a:extLst>
+        </p:spPr>
+        <p:txBody>
+          <a:bodyPr vert="horz" wrap="square" lIns="91440" tIns="45720" rIns="91440" bIns="45720" numCol="1" anchor="t" anchorCtr="0" compatLnSpc="1">
+            <a:prstTxWarp prst="textNoShape">
+              <a:avLst/>
+            </a:prstTxWarp>
+          </a:bodyPr>
+          <a:lstStyle/>
+          <a:p>
+            <a:endParaRPr lang="en-US" sz="1200" dirty="0"/>
+          </a:p>
+        </p:txBody>
+      </p:sp>
+      <p:sp>
+        <p:nvSpPr>
+          <p:cNvPr id="2" name="AutoShape 2" descr="Image result for file"/>
+          <p:cNvSpPr>
+            <a:spLocks noChangeAspect="1" noChangeArrowheads="1"/>
+          </p:cNvSpPr>
+          <p:nvPr/>
+        </p:nvSpPr>
+        <p:spPr bwMode="auto">
+          <a:xfrm>
+            <a:off x="307975" y="7937"/>
+            <a:ext cx="304800" cy="304801"/>
+          </a:xfrm>
+          <a:prstGeom prst="rect">
+            <a:avLst/>
+          </a:prstGeom>
+          <a:noFill/>
+          <a:extLst>
+            <a:ext uri="{909E8E84-426E-40DD-AFC4-6F175D3DCCD1}">
+              <a14:hiddenFill xmlns:a14="http://schemas.microsoft.com/office/drawing/2010/main">
+                <a:solidFill>
+                  <a:srgbClr val="FFFFFF"/>
+                </a:solidFill>
+              </a14:hiddenFill>
+            </a:ext>
+          </a:extLst>
+        </p:spPr>
+        <p:txBody>
+          <a:bodyPr vert="horz" wrap="square" lIns="91440" tIns="45720" rIns="91440" bIns="45720" numCol="1" anchor="t" anchorCtr="0" compatLnSpc="1">
+            <a:prstTxWarp prst="textNoShape">
+              <a:avLst/>
+            </a:prstTxWarp>
+          </a:bodyPr>
+          <a:lstStyle/>
+          <a:p>
+            <a:endParaRPr lang="en-US" dirty="0"/>
+          </a:p>
+        </p:txBody>
+      </p:sp>
+      <p:sp>
+        <p:nvSpPr>
+          <p:cNvPr id="4" name="AutoShape 4" descr="Image result for file"/>
+          <p:cNvSpPr>
+            <a:spLocks noChangeAspect="1" noChangeArrowheads="1"/>
+          </p:cNvSpPr>
+          <p:nvPr/>
+        </p:nvSpPr>
+        <p:spPr bwMode="auto">
+          <a:xfrm>
+            <a:off x="460375" y="160337"/>
+            <a:ext cx="304800" cy="304801"/>
+          </a:xfrm>
+          <a:prstGeom prst="rect">
+            <a:avLst/>
+          </a:prstGeom>
+          <a:noFill/>
+          <a:extLst>
+            <a:ext uri="{909E8E84-426E-40DD-AFC4-6F175D3DCCD1}">
+              <a14:hiddenFill xmlns:a14="http://schemas.microsoft.com/office/drawing/2010/main">
+                <a:solidFill>
+                  <a:srgbClr val="FFFFFF"/>
+                </a:solidFill>
+              </a14:hiddenFill>
+            </a:ext>
+          </a:extLst>
+        </p:spPr>
+        <p:txBody>
+          <a:bodyPr vert="horz" wrap="square" lIns="91440" tIns="45720" rIns="91440" bIns="45720" numCol="1" anchor="t" anchorCtr="0" compatLnSpc="1">
+            <a:prstTxWarp prst="textNoShape">
+              <a:avLst/>
+            </a:prstTxWarp>
+          </a:bodyPr>
+          <a:lstStyle/>
+          <a:p>
+            <a:endParaRPr lang="en-US" dirty="0"/>
+          </a:p>
+        </p:txBody>
+      </p:sp>
+      <p:sp>
+        <p:nvSpPr>
+          <p:cNvPr id="13" name="Rectangle 12"/>
+          <p:cNvSpPr/>
+          <p:nvPr/>
+        </p:nvSpPr>
+        <p:spPr>
+          <a:xfrm>
+            <a:off x="3651250" y="35739"/>
+            <a:ext cx="2133600" cy="276999"/>
+          </a:xfrm>
+          <a:prstGeom prst="rect">
+            <a:avLst/>
+          </a:prstGeom>
+        </p:spPr>
+        <p:style>
+          <a:lnRef idx="1">
+            <a:schemeClr val="accent4"/>
+          </a:lnRef>
+          <a:fillRef idx="3">
+            <a:schemeClr val="accent4"/>
+          </a:fillRef>
+          <a:effectRef idx="2">
+            <a:schemeClr val="accent4"/>
+          </a:effectRef>
+          <a:fontRef idx="minor">
+            <a:schemeClr val="lt1"/>
+          </a:fontRef>
+        </p:style>
+        <p:txBody>
+          <a:bodyPr wrap="square">
+            <a:spAutoFit/>
+          </a:bodyPr>
+          <a:lstStyle>
+            <a:defPPr>
+              <a:defRPr lang="en-US"/>
+            </a:defPPr>
+            <a:lvl1pPr marL="0" algn="l" defTabSz="914400" rtl="0" eaLnBrk="1" latinLnBrk="0" hangingPunct="1">
+              <a:defRPr sz="1800" kern="1200">
+                <a:solidFill>
+                  <a:schemeClr val="lt1"/>
+                </a:solidFill>
+                <a:latin typeface="+mn-lt"/>
+                <a:ea typeface="+mn-ea"/>
+                <a:cs typeface="+mn-cs"/>
+              </a:defRPr>
+            </a:lvl1pPr>
+            <a:lvl2pPr marL="457200" algn="l" defTabSz="914400" rtl="0" eaLnBrk="1" latinLnBrk="0" hangingPunct="1">
+              <a:defRPr sz="1800" kern="1200">
+                <a:solidFill>
+                  <a:schemeClr val="lt1"/>
+                </a:solidFill>
+                <a:latin typeface="+mn-lt"/>
+                <a:ea typeface="+mn-ea"/>
+                <a:cs typeface="+mn-cs"/>
+              </a:defRPr>
+            </a:lvl2pPr>
+            <a:lvl3pPr marL="914400" algn="l" defTabSz="914400" rtl="0" eaLnBrk="1" latinLnBrk="0" hangingPunct="1">
+              <a:defRPr sz="1800" kern="1200">
+                <a:solidFill>
+                  <a:schemeClr val="lt1"/>
+                </a:solidFill>
+                <a:latin typeface="+mn-lt"/>
+                <a:ea typeface="+mn-ea"/>
+                <a:cs typeface="+mn-cs"/>
+              </a:defRPr>
+            </a:lvl3pPr>
+            <a:lvl4pPr marL="1371600" algn="l" defTabSz="914400" rtl="0" eaLnBrk="1" latinLnBrk="0" hangingPunct="1">
+              <a:defRPr sz="1800" kern="1200">
+                <a:solidFill>
+                  <a:schemeClr val="lt1"/>
+                </a:solidFill>
+                <a:latin typeface="+mn-lt"/>
+                <a:ea typeface="+mn-ea"/>
+                <a:cs typeface="+mn-cs"/>
+              </a:defRPr>
+            </a:lvl4pPr>
+            <a:lvl5pPr marL="1828800" algn="l" defTabSz="914400" rtl="0" eaLnBrk="1" latinLnBrk="0" hangingPunct="1">
+              <a:defRPr sz="1800" kern="1200">
+                <a:solidFill>
+                  <a:schemeClr val="lt1"/>
+                </a:solidFill>
+                <a:latin typeface="+mn-lt"/>
+                <a:ea typeface="+mn-ea"/>
+                <a:cs typeface="+mn-cs"/>
+              </a:defRPr>
+            </a:lvl5pPr>
+            <a:lvl6pPr marL="2286000" algn="l" defTabSz="914400" rtl="0" eaLnBrk="1" latinLnBrk="0" hangingPunct="1">
+              <a:defRPr sz="1800" kern="1200">
+                <a:solidFill>
+                  <a:schemeClr val="lt1"/>
+                </a:solidFill>
+                <a:latin typeface="+mn-lt"/>
+                <a:ea typeface="+mn-ea"/>
+                <a:cs typeface="+mn-cs"/>
+              </a:defRPr>
+            </a:lvl6pPr>
+            <a:lvl7pPr marL="2743200" algn="l" defTabSz="914400" rtl="0" eaLnBrk="1" latinLnBrk="0" hangingPunct="1">
+              <a:defRPr sz="1800" kern="1200">
+                <a:solidFill>
+                  <a:schemeClr val="lt1"/>
+                </a:solidFill>
+                <a:latin typeface="+mn-lt"/>
+                <a:ea typeface="+mn-ea"/>
+                <a:cs typeface="+mn-cs"/>
+              </a:defRPr>
+            </a:lvl7pPr>
+            <a:lvl8pPr marL="3200400" algn="l" defTabSz="914400" rtl="0" eaLnBrk="1" latinLnBrk="0" hangingPunct="1">
+              <a:defRPr sz="1800" kern="1200">
+                <a:solidFill>
+                  <a:schemeClr val="lt1"/>
+                </a:solidFill>
+                <a:latin typeface="+mn-lt"/>
+                <a:ea typeface="+mn-ea"/>
+                <a:cs typeface="+mn-cs"/>
+              </a:defRPr>
+            </a:lvl8pPr>
+            <a:lvl9pPr marL="3657600" algn="l" defTabSz="914400" rtl="0" eaLnBrk="1" latinLnBrk="0" hangingPunct="1">
+              <a:defRPr sz="1800" kern="1200">
+                <a:solidFill>
+                  <a:schemeClr val="lt1"/>
+                </a:solidFill>
+                <a:latin typeface="+mn-lt"/>
+                <a:ea typeface="+mn-ea"/>
+                <a:cs typeface="+mn-cs"/>
+              </a:defRPr>
+            </a:lvl9pPr>
+          </a:lstStyle>
+          <a:p>
+            <a:pPr algn="ctr"/>
+            <a:r>
+              <a:rPr lang="en-US" sz="1200" dirty="0"/>
+              <a:t>Auto Components Scanning</a:t>
+            </a:r>
+          </a:p>
+        </p:txBody>
+      </p:sp>
+      <p:pic>
+        <p:nvPicPr>
+          <p:cNvPr id="2050" name="Picture 2"/>
+          <p:cNvPicPr>
+            <a:picLocks noChangeAspect="1" noChangeArrowheads="1"/>
+          </p:cNvPicPr>
+          <p:nvPr/>
+        </p:nvPicPr>
+        <p:blipFill>
+          <a:blip r:embed="rId3">
+            <a:extLst>
+              <a:ext uri="{28A0092B-C50C-407E-A947-70E740481C1C}">
+                <a14:useLocalDpi xmlns:a14="http://schemas.microsoft.com/office/drawing/2010/main" val="0"/>
+              </a:ext>
+            </a:extLst>
+          </a:blip>
+          <a:srcRect/>
+          <a:stretch>
+            <a:fillRect/>
+          </a:stretch>
+        </p:blipFill>
+        <p:spPr bwMode="auto">
+          <a:xfrm>
+            <a:off x="685800" y="762000"/>
+            <a:ext cx="5410200" cy="1838325"/>
+          </a:xfrm>
+          <a:prstGeom prst="rect">
+            <a:avLst/>
+          </a:prstGeom>
+          <a:ln/>
+        </p:spPr>
+        <p:style>
+          <a:lnRef idx="1">
+            <a:schemeClr val="accent4"/>
+          </a:lnRef>
+          <a:fillRef idx="2">
+            <a:schemeClr val="accent4"/>
+          </a:fillRef>
+          <a:effectRef idx="1">
+            <a:schemeClr val="accent4"/>
+          </a:effectRef>
+          <a:fontRef idx="minor">
+            <a:schemeClr val="dk1"/>
+          </a:fontRef>
+        </p:style>
+      </p:pic>
+      <p:sp>
+        <p:nvSpPr>
+          <p:cNvPr id="7" name="Rounded Rectangular Callout 6"/>
+          <p:cNvSpPr/>
+          <p:nvPr/>
+        </p:nvSpPr>
+        <p:spPr>
+          <a:xfrm>
+            <a:off x="612775" y="3276600"/>
+            <a:ext cx="8302625" cy="1066800"/>
+          </a:xfrm>
+          <a:prstGeom prst="wedgeRoundRectCallout">
+            <a:avLst>
+              <a:gd name="adj1" fmla="val -26743"/>
+              <a:gd name="adj2" fmla="val -141359"/>
+              <a:gd name="adj3" fmla="val 16667"/>
+            </a:avLst>
+          </a:prstGeom>
+          <a:ln w="3175"/>
+        </p:spPr>
+        <p:style>
+          <a:lnRef idx="2">
+            <a:schemeClr val="accent4"/>
+          </a:lnRef>
+          <a:fillRef idx="1">
+            <a:schemeClr val="lt1"/>
+          </a:fillRef>
+          <a:effectRef idx="0">
+            <a:schemeClr val="accent4"/>
+          </a:effectRef>
+          <a:fontRef idx="minor">
+            <a:schemeClr val="dk1"/>
+          </a:fontRef>
+        </p:style>
+        <p:txBody>
+          <a:bodyPr rtlCol="0" anchor="ctr"/>
+          <a:lstStyle/>
+          <a:p>
             <a:pPr marL="171450" indent="-171450">
               <a:buFont typeface="Wingdings" pitchFamily="2" charset="2"/>
               <a:buChar char="ü"/>
@@ -4675,7 +6155,6 @@
               <a:rPr lang="en-US" sz="1200" dirty="0"/>
               <a:t>the bean (annotated with @Component) and register it in Spring container.</a:t>
             </a:r>
-            <a:endParaRPr lang="en-US" sz="1200" dirty="0"/>
           </a:p>
         </p:txBody>
       </p:sp>
@@ -4707,7 +6186,7 @@
 </p:sld>
 </file>
 
-<file path=ppt/slides/slide3.xml><?xml version="1.0" encoding="utf-8"?>
+<file path=ppt/slides/slide6.xml><?xml version="1.0" encoding="utf-8"?>
 <p:sld xmlns:a="http://schemas.openxmlformats.org/drawingml/2006/main" xmlns:r="http://schemas.openxmlformats.org/officeDocument/2006/relationships" xmlns:p="http://schemas.openxmlformats.org/presentationml/2006/main">
   <p:cSld>
     <p:spTree>
